--- a/report/MSc Dissertation - W2V.pptx
+++ b/report/MSc Dissertation - W2V.pptx
@@ -268,7 +268,7 @@
           <a:p>
             <a:fld id="{B1BA91D5-9C1C-D147-8922-274AA571275A}" type="datetimeFigureOut">
               <a:rPr lang="en-US" smtClean="0"/>
-              <a:t>8/7/24</a:t>
+              <a:t>9/5/24</a:t>
             </a:fld>
             <a:endParaRPr lang="en-US"/>
           </a:p>
@@ -468,7 +468,7 @@
           <a:p>
             <a:fld id="{B1BA91D5-9C1C-D147-8922-274AA571275A}" type="datetimeFigureOut">
               <a:rPr lang="en-US" smtClean="0"/>
-              <a:t>8/7/24</a:t>
+              <a:t>9/5/24</a:t>
             </a:fld>
             <a:endParaRPr lang="en-US"/>
           </a:p>
@@ -678,7 +678,7 @@
           <a:p>
             <a:fld id="{B1BA91D5-9C1C-D147-8922-274AA571275A}" type="datetimeFigureOut">
               <a:rPr lang="en-US" smtClean="0"/>
-              <a:t>8/7/24</a:t>
+              <a:t>9/5/24</a:t>
             </a:fld>
             <a:endParaRPr lang="en-US"/>
           </a:p>
@@ -878,7 +878,7 @@
           <a:p>
             <a:fld id="{B1BA91D5-9C1C-D147-8922-274AA571275A}" type="datetimeFigureOut">
               <a:rPr lang="en-US" smtClean="0"/>
-              <a:t>8/7/24</a:t>
+              <a:t>9/5/24</a:t>
             </a:fld>
             <a:endParaRPr lang="en-US"/>
           </a:p>
@@ -1154,7 +1154,7 @@
           <a:p>
             <a:fld id="{B1BA91D5-9C1C-D147-8922-274AA571275A}" type="datetimeFigureOut">
               <a:rPr lang="en-US" smtClean="0"/>
-              <a:t>8/7/24</a:t>
+              <a:t>9/5/24</a:t>
             </a:fld>
             <a:endParaRPr lang="en-US"/>
           </a:p>
@@ -1422,7 +1422,7 @@
           <a:p>
             <a:fld id="{B1BA91D5-9C1C-D147-8922-274AA571275A}" type="datetimeFigureOut">
               <a:rPr lang="en-US" smtClean="0"/>
-              <a:t>8/7/24</a:t>
+              <a:t>9/5/24</a:t>
             </a:fld>
             <a:endParaRPr lang="en-US"/>
           </a:p>
@@ -1837,7 +1837,7 @@
           <a:p>
             <a:fld id="{B1BA91D5-9C1C-D147-8922-274AA571275A}" type="datetimeFigureOut">
               <a:rPr lang="en-US" smtClean="0"/>
-              <a:t>8/7/24</a:t>
+              <a:t>9/5/24</a:t>
             </a:fld>
             <a:endParaRPr lang="en-US"/>
           </a:p>
@@ -1979,7 +1979,7 @@
           <a:p>
             <a:fld id="{B1BA91D5-9C1C-D147-8922-274AA571275A}" type="datetimeFigureOut">
               <a:rPr lang="en-US" smtClean="0"/>
-              <a:t>8/7/24</a:t>
+              <a:t>9/5/24</a:t>
             </a:fld>
             <a:endParaRPr lang="en-US"/>
           </a:p>
@@ -2092,7 +2092,7 @@
           <a:p>
             <a:fld id="{B1BA91D5-9C1C-D147-8922-274AA571275A}" type="datetimeFigureOut">
               <a:rPr lang="en-US" smtClean="0"/>
-              <a:t>8/7/24</a:t>
+              <a:t>9/5/24</a:t>
             </a:fld>
             <a:endParaRPr lang="en-US"/>
           </a:p>
@@ -2405,7 +2405,7 @@
           <a:p>
             <a:fld id="{B1BA91D5-9C1C-D147-8922-274AA571275A}" type="datetimeFigureOut">
               <a:rPr lang="en-US" smtClean="0"/>
-              <a:t>8/7/24</a:t>
+              <a:t>9/5/24</a:t>
             </a:fld>
             <a:endParaRPr lang="en-US"/>
           </a:p>
@@ -2694,7 +2694,7 @@
           <a:p>
             <a:fld id="{B1BA91D5-9C1C-D147-8922-274AA571275A}" type="datetimeFigureOut">
               <a:rPr lang="en-US" smtClean="0"/>
-              <a:t>8/7/24</a:t>
+              <a:t>9/5/24</a:t>
             </a:fld>
             <a:endParaRPr lang="en-US"/>
           </a:p>
@@ -2937,7 +2937,7 @@
           <a:p>
             <a:fld id="{B1BA91D5-9C1C-D147-8922-274AA571275A}" type="datetimeFigureOut">
               <a:rPr lang="en-US" smtClean="0"/>
-              <a:t>8/7/24</a:t>
+              <a:t>9/5/24</a:t>
             </a:fld>
             <a:endParaRPr lang="en-US"/>
           </a:p>
